--- a/ML4.pptx
+++ b/ML4.pptx
@@ -7915,7 +7915,7 @@
           <a:graphicData uri="http://schemas.openxmlformats.org/presentationml/2006/ole">
             <mc:AlternateContent xmlns:mc="http://schemas.openxmlformats.org/markup-compatibility/2006">
               <mc:Choice xmlns:v="urn:schemas-microsoft-com:vml" Requires="v">
-                <p:oleObj spid="_x0000_s17426" name="Equation" r:id="rId3" imgW="31305500" imgH="5270500" progId="Equation.3">
+                <p:oleObj spid="_x0000_s17427" name="Equation" r:id="rId3" imgW="31305500" imgH="5270500" progId="Equation.3">
                   <p:embed/>
                 </p:oleObj>
               </mc:Choice>
@@ -9295,7 +9295,7 @@
           <a:graphicData uri="http://schemas.openxmlformats.org/presentationml/2006/ole">
             <mc:AlternateContent xmlns:mc="http://schemas.openxmlformats.org/markup-compatibility/2006">
               <mc:Choice xmlns:v="urn:schemas-microsoft-com:vml" Requires="v">
-                <p:oleObj spid="_x0000_s18446" name="Equation" r:id="rId3" imgW="32473900" imgH="28092400" progId="Equation.3">
+                <p:oleObj spid="_x0000_s18447" name="Equation" r:id="rId3" imgW="32473900" imgH="28092400" progId="Equation.3">
                   <p:embed/>
                 </p:oleObj>
               </mc:Choice>
@@ -10501,7 +10501,7 @@
           <a:graphicData uri="http://schemas.openxmlformats.org/presentationml/2006/ole">
             <mc:AlternateContent xmlns:mc="http://schemas.openxmlformats.org/markup-compatibility/2006">
               <mc:Choice xmlns:v="urn:schemas-microsoft-com:vml" Requires="v">
-                <p:oleObj spid="_x0000_s19500" name="Equation" r:id="rId3" imgW="29260800" imgH="9067800" progId="Equation.3">
+                <p:oleObj spid="_x0000_s19504" name="Equation" r:id="rId3" imgW="29260800" imgH="9067800" progId="Equation.3">
                   <p:embed/>
                 </p:oleObj>
               </mc:Choice>
@@ -10602,7 +10602,7 @@
           <a:graphicData uri="http://schemas.openxmlformats.org/presentationml/2006/ole">
             <mc:AlternateContent xmlns:mc="http://schemas.openxmlformats.org/markup-compatibility/2006">
               <mc:Choice xmlns:v="urn:schemas-microsoft-com:vml" Requires="v">
-                <p:oleObj spid="_x0000_s19501" name="Equation" r:id="rId5" imgW="33350200" imgH="5854700" progId="Equation.3">
+                <p:oleObj spid="_x0000_s19505" name="Equation" r:id="rId5" imgW="33350200" imgH="5854700" progId="Equation.3">
                   <p:embed/>
                 </p:oleObj>
               </mc:Choice>
@@ -10703,7 +10703,7 @@
           <a:graphicData uri="http://schemas.openxmlformats.org/presentationml/2006/ole">
             <mc:AlternateContent xmlns:mc="http://schemas.openxmlformats.org/markup-compatibility/2006">
               <mc:Choice xmlns:v="urn:schemas-microsoft-com:vml" Requires="v">
-                <p:oleObj spid="_x0000_s19502" name="Equation" r:id="rId7" imgW="32473900" imgH="5854700" progId="Equation.3">
+                <p:oleObj spid="_x0000_s19506" name="Equation" r:id="rId7" imgW="32473900" imgH="5854700" progId="Equation.3">
                   <p:embed/>
                 </p:oleObj>
               </mc:Choice>
@@ -13127,7 +13127,7 @@
           <a:graphicData uri="http://schemas.openxmlformats.org/presentationml/2006/ole">
             <mc:AlternateContent xmlns:mc="http://schemas.openxmlformats.org/markup-compatibility/2006">
               <mc:Choice xmlns:v="urn:schemas-microsoft-com:vml" Requires="v">
-                <p:oleObj spid="_x0000_s19503" name="Equation" r:id="rId9" imgW="21069300" imgH="8483600" progId="Equation.3">
+                <p:oleObj spid="_x0000_s19507" name="Equation" r:id="rId9" imgW="21069300" imgH="8483600" progId="Equation.3">
                   <p:embed/>
                 </p:oleObj>
               </mc:Choice>
@@ -13375,7 +13375,7 @@
           <a:graphicData uri="http://schemas.openxmlformats.org/presentationml/2006/ole">
             <mc:AlternateContent xmlns:mc="http://schemas.openxmlformats.org/markup-compatibility/2006">
               <mc:Choice xmlns:v="urn:schemas-microsoft-com:vml" Requires="v">
-                <p:oleObj spid="_x0000_s20493" name="Equation" r:id="rId3" imgW="33058100" imgH="56172100" progId="Equation.3">
+                <p:oleObj spid="_x0000_s20495" name="Equation" r:id="rId3" imgW="33058100" imgH="56172100" progId="Equation.3">
                   <p:embed/>
                 </p:oleObj>
               </mc:Choice>
@@ -13474,7 +13474,7 @@
           <a:graphicData uri="http://schemas.openxmlformats.org/presentationml/2006/ole">
             <mc:AlternateContent xmlns:mc="http://schemas.openxmlformats.org/markup-compatibility/2006">
               <mc:Choice xmlns:v="urn:schemas-microsoft-com:vml" Requires="v">
-                <p:oleObj spid="_x0000_s20494" name="Equation" r:id="rId5" imgW="2628900" imgH="4978400" progId="Equation.3">
+                <p:oleObj spid="_x0000_s20496" name="Equation" r:id="rId5" imgW="2628900" imgH="4978400" progId="Equation.3">
                   <p:embed/>
                 </p:oleObj>
               </mc:Choice>
@@ -16992,7 +16992,7 @@
           <a:graphicData uri="http://schemas.openxmlformats.org/presentationml/2006/ole">
             <mc:AlternateContent xmlns:mc="http://schemas.openxmlformats.org/markup-compatibility/2006">
               <mc:Choice xmlns:v="urn:schemas-microsoft-com:vml" Requires="v">
-                <p:oleObj spid="_x0000_s23567" name="Equation" r:id="rId3" imgW="35991800" imgH="23406100" progId="Equation.3">
+                <p:oleObj spid="_x0000_s23568" name="Equation" r:id="rId3" imgW="35991800" imgH="23406100" progId="Equation.3">
                   <p:embed/>
                 </p:oleObj>
               </mc:Choice>
@@ -17278,7 +17278,7 @@
           <a:graphicData uri="http://schemas.openxmlformats.org/presentationml/2006/ole">
             <mc:AlternateContent xmlns:mc="http://schemas.openxmlformats.org/markup-compatibility/2006">
               <mc:Choice xmlns:v="urn:schemas-microsoft-com:vml" Requires="v">
-                <p:oleObj spid="_x0000_s24596" name="Equation" r:id="rId3" imgW="54711600" imgH="11112500" progId="Equation.3">
+                <p:oleObj spid="_x0000_s24598" name="Equation" r:id="rId3" imgW="54711600" imgH="11112500" progId="Equation.3">
                   <p:embed/>
                 </p:oleObj>
               </mc:Choice>
@@ -18100,7 +18100,7 @@
           <a:graphicData uri="http://schemas.openxmlformats.org/presentationml/2006/ole">
             <mc:AlternateContent xmlns:mc="http://schemas.openxmlformats.org/markup-compatibility/2006">
               <mc:Choice xmlns:v="urn:schemas-microsoft-com:vml" Requires="v">
-                <p:oleObj spid="_x0000_s24597" name="Equation" r:id="rId5" imgW="9944100" imgH="5854700" progId="Equation.3">
+                <p:oleObj spid="_x0000_s24599" name="Equation" r:id="rId5" imgW="9944100" imgH="5854700" progId="Equation.3">
                   <p:embed/>
                 </p:oleObj>
               </mc:Choice>
@@ -19032,7 +19032,7 @@
           <a:graphicData uri="http://schemas.openxmlformats.org/presentationml/2006/ole">
             <mc:AlternateContent xmlns:mc="http://schemas.openxmlformats.org/markup-compatibility/2006">
               <mc:Choice xmlns:v="urn:schemas-microsoft-com:vml" Requires="v">
-                <p:oleObj spid="_x0000_s25609" name="Equation" r:id="rId3" imgW="68757800" imgH="46228000" progId="Equation.3">
+                <p:oleObj spid="_x0000_s25610" name="Equation" r:id="rId3" imgW="68757800" imgH="46228000" progId="Equation.3">
                   <p:embed/>
                 </p:oleObj>
               </mc:Choice>
